--- a/13_TANGIBLEVR_2018_19_presentation.pptx
+++ b/13_TANGIBLEVR_2018_19_presentation.pptx
@@ -5,8 +5,8 @@
     <p:sldMasterId id="2147483660" r:id="rId1"/>
   </p:sldMasterIdLst>
   <p:sldIdLst>
-    <p:sldId id="258" r:id="rId2"/>
-    <p:sldId id="256" r:id="rId3"/>
+    <p:sldId id="269" r:id="rId2"/>
+    <p:sldId id="268" r:id="rId3"/>
     <p:sldId id="263" r:id="rId4"/>
     <p:sldId id="267" r:id="rId5"/>
     <p:sldId id="262" r:id="rId6"/>
@@ -172,7 +172,7 @@
           <a:noFill/>
           <a:extLst>
             <a:ext uri="{909E8E84-426E-40dd-AFC4-6F175D3DCCD1}">
-              <a14:hiddenFill xmlns="" xmlns:a14="http://schemas.microsoft.com/office/drawing/2010/main">
+              <a14:hiddenFill xmlns:a14="http://schemas.microsoft.com/office/drawing/2010/main" xmlns="">
                 <a:solidFill>
                   <a:srgbClr val="FFFFFF"/>
                 </a:solidFill>
@@ -232,7 +232,7 @@
             </a:ln>
             <a:extLst>
               <a:ext uri="{91240B29-F687-4f45-9708-019B960494DF}">
-                <a14:hiddenLine xmlns="" xmlns:a14="http://schemas.microsoft.com/office/drawing/2010/main" w="9525">
+                <a14:hiddenLine xmlns:a14="http://schemas.microsoft.com/office/drawing/2010/main" xmlns="" w="9525">
                   <a:solidFill>
                     <a:srgbClr val="000000"/>
                   </a:solidFill>
@@ -322,7 +322,7 @@
             </a:ln>
             <a:extLst>
               <a:ext uri="{91240B29-F687-4f45-9708-019B960494DF}">
-                <a14:hiddenLine xmlns="" xmlns:a14="http://schemas.microsoft.com/office/drawing/2010/main" w="9525">
+                <a14:hiddenLine xmlns:a14="http://schemas.microsoft.com/office/drawing/2010/main" xmlns="" w="9525">
                   <a:solidFill>
                     <a:srgbClr val="000000"/>
                   </a:solidFill>
@@ -412,7 +412,7 @@
             </a:ln>
             <a:extLst>
               <a:ext uri="{91240B29-F687-4f45-9708-019B960494DF}">
-                <a14:hiddenLine xmlns="" xmlns:a14="http://schemas.microsoft.com/office/drawing/2010/main" w="9525">
+                <a14:hiddenLine xmlns:a14="http://schemas.microsoft.com/office/drawing/2010/main" xmlns="" w="9525">
                   <a:solidFill>
                     <a:srgbClr val="000000"/>
                   </a:solidFill>
@@ -446,7 +446,7 @@
             </a:ln>
             <a:extLst>
               <a:ext uri="{91240B29-F687-4f45-9708-019B960494DF}">
-                <a14:hiddenLine xmlns="" xmlns:a14="http://schemas.microsoft.com/office/drawing/2010/main" w="9525">
+                <a14:hiddenLine xmlns:a14="http://schemas.microsoft.com/office/drawing/2010/main" xmlns="" w="9525">
                   <a:solidFill>
                     <a:srgbClr val="000000"/>
                   </a:solidFill>
@@ -536,7 +536,7 @@
             </a:ln>
             <a:extLst>
               <a:ext uri="{91240B29-F687-4f45-9708-019B960494DF}">
-                <a14:hiddenLine xmlns="" xmlns:a14="http://schemas.microsoft.com/office/drawing/2010/main" w="9525">
+                <a14:hiddenLine xmlns:a14="http://schemas.microsoft.com/office/drawing/2010/main" xmlns="" w="9525">
                   <a:solidFill>
                     <a:srgbClr val="000000"/>
                   </a:solidFill>
@@ -598,7 +598,7 @@
             </a:ln>
             <a:extLst>
               <a:ext uri="{91240B29-F687-4f45-9708-019B960494DF}">
-                <a14:hiddenLine xmlns="" xmlns:a14="http://schemas.microsoft.com/office/drawing/2010/main" w="9525">
+                <a14:hiddenLine xmlns:a14="http://schemas.microsoft.com/office/drawing/2010/main" xmlns="" w="9525">
                   <a:solidFill>
                     <a:srgbClr val="000000"/>
                   </a:solidFill>
@@ -660,7 +660,7 @@
             </a:ln>
             <a:extLst>
               <a:ext uri="{91240B29-F687-4f45-9708-019B960494DF}">
-                <a14:hiddenLine xmlns="" xmlns:a14="http://schemas.microsoft.com/office/drawing/2010/main" w="9525">
+                <a14:hiddenLine xmlns:a14="http://schemas.microsoft.com/office/drawing/2010/main" xmlns="" w="9525">
                   <a:solidFill>
                     <a:srgbClr val="000000"/>
                   </a:solidFill>
@@ -750,7 +750,7 @@
             </a:ln>
             <a:extLst>
               <a:ext uri="{91240B29-F687-4f45-9708-019B960494DF}">
-                <a14:hiddenLine xmlns="" xmlns:a14="http://schemas.microsoft.com/office/drawing/2010/main" w="9525">
+                <a14:hiddenLine xmlns:a14="http://schemas.microsoft.com/office/drawing/2010/main" xmlns="" w="9525">
                   <a:solidFill>
                     <a:srgbClr val="000000"/>
                   </a:solidFill>
@@ -812,7 +812,7 @@
             </a:ln>
             <a:extLst>
               <a:ext uri="{91240B29-F687-4f45-9708-019B960494DF}">
-                <a14:hiddenLine xmlns="" xmlns:a14="http://schemas.microsoft.com/office/drawing/2010/main" w="9525">
+                <a14:hiddenLine xmlns:a14="http://schemas.microsoft.com/office/drawing/2010/main" xmlns="" w="9525">
                   <a:solidFill>
                     <a:srgbClr val="000000"/>
                   </a:solidFill>
@@ -874,7 +874,7 @@
             </a:ln>
             <a:extLst>
               <a:ext uri="{91240B29-F687-4f45-9708-019B960494DF}">
-                <a14:hiddenLine xmlns="" xmlns:a14="http://schemas.microsoft.com/office/drawing/2010/main" w="9525">
+                <a14:hiddenLine xmlns:a14="http://schemas.microsoft.com/office/drawing/2010/main" xmlns="" w="9525">
                   <a:solidFill>
                     <a:srgbClr val="000000"/>
                   </a:solidFill>
@@ -964,7 +964,7 @@
             </a:ln>
             <a:extLst>
               <a:ext uri="{91240B29-F687-4f45-9708-019B960494DF}">
-                <a14:hiddenLine xmlns="" xmlns:a14="http://schemas.microsoft.com/office/drawing/2010/main" w="9525">
+                <a14:hiddenLine xmlns:a14="http://schemas.microsoft.com/office/drawing/2010/main" xmlns="" w="9525">
                   <a:solidFill>
                     <a:srgbClr val="000000"/>
                   </a:solidFill>
@@ -1054,7 +1054,7 @@
             </a:ln>
             <a:extLst>
               <a:ext uri="{91240B29-F687-4f45-9708-019B960494DF}">
-                <a14:hiddenLine xmlns="" xmlns:a14="http://schemas.microsoft.com/office/drawing/2010/main" w="9525">
+                <a14:hiddenLine xmlns:a14="http://schemas.microsoft.com/office/drawing/2010/main" xmlns="" w="9525">
                   <a:solidFill>
                     <a:srgbClr val="000000"/>
                   </a:solidFill>
@@ -1116,7 +1116,7 @@
             </a:ln>
             <a:extLst>
               <a:ext uri="{91240B29-F687-4f45-9708-019B960494DF}">
-                <a14:hiddenLine xmlns="" xmlns:a14="http://schemas.microsoft.com/office/drawing/2010/main" w="9525">
+                <a14:hiddenLine xmlns:a14="http://schemas.microsoft.com/office/drawing/2010/main" xmlns="" w="9525">
                   <a:solidFill>
                     <a:srgbClr val="000000"/>
                   </a:solidFill>
@@ -1226,7 +1226,7 @@
             </a:ln>
             <a:extLst>
               <a:ext uri="{91240B29-F687-4f45-9708-019B960494DF}">
-                <a14:hiddenLine xmlns="" xmlns:a14="http://schemas.microsoft.com/office/drawing/2010/main" w="9525">
+                <a14:hiddenLine xmlns:a14="http://schemas.microsoft.com/office/drawing/2010/main" xmlns="" w="9525">
                   <a:solidFill>
                     <a:srgbClr val="000000"/>
                   </a:solidFill>
@@ -1288,7 +1288,7 @@
             </a:ln>
             <a:extLst>
               <a:ext uri="{91240B29-F687-4f45-9708-019B960494DF}">
-                <a14:hiddenLine xmlns="" xmlns:a14="http://schemas.microsoft.com/office/drawing/2010/main" w="9525">
+                <a14:hiddenLine xmlns:a14="http://schemas.microsoft.com/office/drawing/2010/main" xmlns="" w="9525">
                   <a:solidFill>
                     <a:srgbClr val="000000"/>
                   </a:solidFill>
@@ -1378,7 +1378,7 @@
             </a:ln>
             <a:extLst>
               <a:ext uri="{91240B29-F687-4f45-9708-019B960494DF}">
-                <a14:hiddenLine xmlns="" xmlns:a14="http://schemas.microsoft.com/office/drawing/2010/main" w="9525">
+                <a14:hiddenLine xmlns:a14="http://schemas.microsoft.com/office/drawing/2010/main" xmlns="" w="9525">
                   <a:solidFill>
                     <a:srgbClr val="000000"/>
                   </a:solidFill>
@@ -1468,7 +1468,7 @@
             </a:ln>
             <a:extLst>
               <a:ext uri="{91240B29-F687-4f45-9708-019B960494DF}">
-                <a14:hiddenLine xmlns="" xmlns:a14="http://schemas.microsoft.com/office/drawing/2010/main" w="9525">
+                <a14:hiddenLine xmlns:a14="http://schemas.microsoft.com/office/drawing/2010/main" xmlns="" w="9525">
                   <a:solidFill>
                     <a:srgbClr val="000000"/>
                   </a:solidFill>
@@ -1530,7 +1530,7 @@
             </a:ln>
             <a:extLst>
               <a:ext uri="{91240B29-F687-4f45-9708-019B960494DF}">
-                <a14:hiddenLine xmlns="" xmlns:a14="http://schemas.microsoft.com/office/drawing/2010/main" w="9525">
+                <a14:hiddenLine xmlns:a14="http://schemas.microsoft.com/office/drawing/2010/main" xmlns="" w="9525">
                   <a:solidFill>
                     <a:srgbClr val="000000"/>
                   </a:solidFill>
@@ -1620,7 +1620,7 @@
             </a:ln>
             <a:extLst>
               <a:ext uri="{91240B29-F687-4f45-9708-019B960494DF}">
-                <a14:hiddenLine xmlns="" xmlns:a14="http://schemas.microsoft.com/office/drawing/2010/main" w="9525">
+                <a14:hiddenLine xmlns:a14="http://schemas.microsoft.com/office/drawing/2010/main" xmlns="" w="9525">
                   <a:solidFill>
                     <a:srgbClr val="000000"/>
                   </a:solidFill>
@@ -1710,7 +1710,7 @@
             </a:ln>
             <a:extLst>
               <a:ext uri="{91240B29-F687-4f45-9708-019B960494DF}">
-                <a14:hiddenLine xmlns="" xmlns:a14="http://schemas.microsoft.com/office/drawing/2010/main" w="9525">
+                <a14:hiddenLine xmlns:a14="http://schemas.microsoft.com/office/drawing/2010/main" xmlns="" w="9525">
                   <a:solidFill>
                     <a:srgbClr val="000000"/>
                   </a:solidFill>
@@ -1766,7 +1766,7 @@
             </a:ln>
             <a:extLst>
               <a:ext uri="{91240B29-F687-4f45-9708-019B960494DF}">
-                <a14:hiddenLine xmlns="" xmlns:a14="http://schemas.microsoft.com/office/drawing/2010/main" w="9525">
+                <a14:hiddenLine xmlns:a14="http://schemas.microsoft.com/office/drawing/2010/main" xmlns="" w="9525">
                   <a:solidFill>
                     <a:srgbClr val="000000"/>
                   </a:solidFill>
@@ -1856,7 +1856,7 @@
             </a:ln>
             <a:extLst>
               <a:ext uri="{91240B29-F687-4f45-9708-019B960494DF}">
-                <a14:hiddenLine xmlns="" xmlns:a14="http://schemas.microsoft.com/office/drawing/2010/main" w="9525">
+                <a14:hiddenLine xmlns:a14="http://schemas.microsoft.com/office/drawing/2010/main" xmlns="" w="9525">
                   <a:solidFill>
                     <a:srgbClr val="000000"/>
                   </a:solidFill>
@@ -1912,7 +1912,7 @@
             </a:ln>
             <a:extLst>
               <a:ext uri="{91240B29-F687-4f45-9708-019B960494DF}">
-                <a14:hiddenLine xmlns="" xmlns:a14="http://schemas.microsoft.com/office/drawing/2010/main" w="9525">
+                <a14:hiddenLine xmlns:a14="http://schemas.microsoft.com/office/drawing/2010/main" xmlns="" w="9525">
                   <a:solidFill>
                     <a:srgbClr val="000000"/>
                   </a:solidFill>
@@ -2002,7 +2002,7 @@
             </a:ln>
             <a:extLst>
               <a:ext uri="{91240B29-F687-4f45-9708-019B960494DF}">
-                <a14:hiddenLine xmlns="" xmlns:a14="http://schemas.microsoft.com/office/drawing/2010/main" w="9525">
+                <a14:hiddenLine xmlns:a14="http://schemas.microsoft.com/office/drawing/2010/main" xmlns="" w="9525">
                   <a:solidFill>
                     <a:srgbClr val="000000"/>
                   </a:solidFill>
@@ -2070,7 +2070,7 @@
             </a:ln>
             <a:extLst>
               <a:ext uri="{91240B29-F687-4f45-9708-019B960494DF}">
-                <a14:hiddenLine xmlns="" xmlns:a14="http://schemas.microsoft.com/office/drawing/2010/main" w="9525">
+                <a14:hiddenLine xmlns:a14="http://schemas.microsoft.com/office/drawing/2010/main" xmlns="" w="9525">
                   <a:solidFill>
                     <a:srgbClr val="000000"/>
                   </a:solidFill>
@@ -2160,7 +2160,7 @@
             </a:ln>
             <a:extLst>
               <a:ext uri="{91240B29-F687-4f45-9708-019B960494DF}">
-                <a14:hiddenLine xmlns="" xmlns:a14="http://schemas.microsoft.com/office/drawing/2010/main" w="9525">
+                <a14:hiddenLine xmlns:a14="http://schemas.microsoft.com/office/drawing/2010/main" xmlns="" w="9525">
                   <a:solidFill>
                     <a:srgbClr val="000000"/>
                   </a:solidFill>
@@ -2228,7 +2228,7 @@
             </a:ln>
             <a:extLst>
               <a:ext uri="{91240B29-F687-4f45-9708-019B960494DF}">
-                <a14:hiddenLine xmlns="" xmlns:a14="http://schemas.microsoft.com/office/drawing/2010/main" w="9525">
+                <a14:hiddenLine xmlns:a14="http://schemas.microsoft.com/office/drawing/2010/main" xmlns="" w="9525">
                   <a:solidFill>
                     <a:srgbClr val="000000"/>
                   </a:solidFill>
@@ -2318,7 +2318,7 @@
             </a:ln>
             <a:extLst>
               <a:ext uri="{91240B29-F687-4f45-9708-019B960494DF}">
-                <a14:hiddenLine xmlns="" xmlns:a14="http://schemas.microsoft.com/office/drawing/2010/main" w="9525">
+                <a14:hiddenLine xmlns:a14="http://schemas.microsoft.com/office/drawing/2010/main" xmlns="" w="9525">
                   <a:solidFill>
                     <a:srgbClr val="000000"/>
                   </a:solidFill>
@@ -2352,7 +2352,7 @@
             </a:ln>
             <a:extLst>
               <a:ext uri="{91240B29-F687-4f45-9708-019B960494DF}">
-                <a14:hiddenLine xmlns="" xmlns:a14="http://schemas.microsoft.com/office/drawing/2010/main" w="9525">
+                <a14:hiddenLine xmlns:a14="http://schemas.microsoft.com/office/drawing/2010/main" xmlns="" w="9525">
                   <a:solidFill>
                     <a:srgbClr val="000000"/>
                   </a:solidFill>
@@ -2442,7 +2442,7 @@
             </a:ln>
             <a:extLst>
               <a:ext uri="{91240B29-F687-4f45-9708-019B960494DF}">
-                <a14:hiddenLine xmlns="" xmlns:a14="http://schemas.microsoft.com/office/drawing/2010/main" w="9525">
+                <a14:hiddenLine xmlns:a14="http://schemas.microsoft.com/office/drawing/2010/main" xmlns="" w="9525">
                   <a:solidFill>
                     <a:srgbClr val="000000"/>
                   </a:solidFill>
@@ -2504,7 +2504,7 @@
             </a:ln>
             <a:extLst>
               <a:ext uri="{91240B29-F687-4f45-9708-019B960494DF}">
-                <a14:hiddenLine xmlns="" xmlns:a14="http://schemas.microsoft.com/office/drawing/2010/main" w="9525">
+                <a14:hiddenLine xmlns:a14="http://schemas.microsoft.com/office/drawing/2010/main" xmlns="" w="9525">
                   <a:solidFill>
                     <a:srgbClr val="000000"/>
                   </a:solidFill>
@@ -2566,7 +2566,7 @@
             </a:ln>
             <a:extLst>
               <a:ext uri="{91240B29-F687-4f45-9708-019B960494DF}">
-                <a14:hiddenLine xmlns="" xmlns:a14="http://schemas.microsoft.com/office/drawing/2010/main" w="9525">
+                <a14:hiddenLine xmlns:a14="http://schemas.microsoft.com/office/drawing/2010/main" xmlns="" w="9525">
                   <a:solidFill>
                     <a:srgbClr val="000000"/>
                   </a:solidFill>
@@ -2656,7 +2656,7 @@
             </a:ln>
             <a:extLst>
               <a:ext uri="{91240B29-F687-4f45-9708-019B960494DF}">
-                <a14:hiddenLine xmlns="" xmlns:a14="http://schemas.microsoft.com/office/drawing/2010/main" w="9525">
+                <a14:hiddenLine xmlns:a14="http://schemas.microsoft.com/office/drawing/2010/main" xmlns="" w="9525">
                   <a:solidFill>
                     <a:srgbClr val="000000"/>
                   </a:solidFill>
@@ -2724,7 +2724,7 @@
             </a:ln>
             <a:extLst>
               <a:ext uri="{91240B29-F687-4f45-9708-019B960494DF}">
-                <a14:hiddenLine xmlns="" xmlns:a14="http://schemas.microsoft.com/office/drawing/2010/main" w="9525">
+                <a14:hiddenLine xmlns:a14="http://schemas.microsoft.com/office/drawing/2010/main" xmlns="" w="9525">
                   <a:solidFill>
                     <a:srgbClr val="000000"/>
                   </a:solidFill>
@@ -2786,7 +2786,7 @@
             </a:ln>
             <a:extLst>
               <a:ext uri="{91240B29-F687-4f45-9708-019B960494DF}">
-                <a14:hiddenLine xmlns="" xmlns:a14="http://schemas.microsoft.com/office/drawing/2010/main" w="9525">
+                <a14:hiddenLine xmlns:a14="http://schemas.microsoft.com/office/drawing/2010/main" xmlns="" w="9525">
                   <a:solidFill>
                     <a:srgbClr val="000000"/>
                   </a:solidFill>
@@ -2876,7 +2876,7 @@
             </a:ln>
             <a:extLst>
               <a:ext uri="{91240B29-F687-4f45-9708-019B960494DF}">
-                <a14:hiddenLine xmlns="" xmlns:a14="http://schemas.microsoft.com/office/drawing/2010/main" w="9525">
+                <a14:hiddenLine xmlns:a14="http://schemas.microsoft.com/office/drawing/2010/main" xmlns="" w="9525">
                   <a:solidFill>
                     <a:srgbClr val="000000"/>
                   </a:solidFill>
@@ -2938,7 +2938,7 @@
             </a:ln>
             <a:extLst>
               <a:ext uri="{91240B29-F687-4f45-9708-019B960494DF}">
-                <a14:hiddenLine xmlns="" xmlns:a14="http://schemas.microsoft.com/office/drawing/2010/main" w="9525">
+                <a14:hiddenLine xmlns:a14="http://schemas.microsoft.com/office/drawing/2010/main" xmlns="" w="9525">
                   <a:solidFill>
                     <a:srgbClr val="000000"/>
                   </a:solidFill>
@@ -3028,7 +3028,7 @@
             </a:ln>
             <a:extLst>
               <a:ext uri="{91240B29-F687-4f45-9708-019B960494DF}">
-                <a14:hiddenLine xmlns="" xmlns:a14="http://schemas.microsoft.com/office/drawing/2010/main" w="9525">
+                <a14:hiddenLine xmlns:a14="http://schemas.microsoft.com/office/drawing/2010/main" xmlns="" w="9525">
                   <a:solidFill>
                     <a:srgbClr val="000000"/>
                   </a:solidFill>
@@ -3090,7 +3090,7 @@
             </a:ln>
             <a:extLst>
               <a:ext uri="{91240B29-F687-4f45-9708-019B960494DF}">
-                <a14:hiddenLine xmlns="" xmlns:a14="http://schemas.microsoft.com/office/drawing/2010/main" w="9525">
+                <a14:hiddenLine xmlns:a14="http://schemas.microsoft.com/office/drawing/2010/main" xmlns="" w="9525">
                   <a:solidFill>
                     <a:srgbClr val="000000"/>
                   </a:solidFill>
@@ -3180,7 +3180,7 @@
             </a:ln>
             <a:extLst>
               <a:ext uri="{91240B29-F687-4f45-9708-019B960494DF}">
-                <a14:hiddenLine xmlns="" xmlns:a14="http://schemas.microsoft.com/office/drawing/2010/main" w="9525">
+                <a14:hiddenLine xmlns:a14="http://schemas.microsoft.com/office/drawing/2010/main" xmlns="" w="9525">
                   <a:solidFill>
                     <a:srgbClr val="000000"/>
                   </a:solidFill>
@@ -3214,7 +3214,7 @@
             </a:ln>
             <a:extLst>
               <a:ext uri="{91240B29-F687-4f45-9708-019B960494DF}">
-                <a14:hiddenLine xmlns="" xmlns:a14="http://schemas.microsoft.com/office/drawing/2010/main" w="9525">
+                <a14:hiddenLine xmlns:a14="http://schemas.microsoft.com/office/drawing/2010/main" xmlns="" w="9525">
                   <a:solidFill>
                     <a:srgbClr val="000000"/>
                   </a:solidFill>
@@ -3279,7 +3279,7 @@
             </a:ln>
             <a:extLst>
               <a:ext uri="{91240B29-F687-4f45-9708-019B960494DF}">
-                <a14:hiddenLine xmlns="" xmlns:a14="http://schemas.microsoft.com/office/drawing/2010/main" w="9525">
+                <a14:hiddenLine xmlns:a14="http://schemas.microsoft.com/office/drawing/2010/main" xmlns="" w="9525">
                   <a:solidFill>
                     <a:srgbClr val="000000"/>
                   </a:solidFill>
@@ -3369,7 +3369,7 @@
             </a:ln>
             <a:extLst>
               <a:ext uri="{91240B29-F687-4f45-9708-019B960494DF}">
-                <a14:hiddenLine xmlns="" xmlns:a14="http://schemas.microsoft.com/office/drawing/2010/main" w="9525">
+                <a14:hiddenLine xmlns:a14="http://schemas.microsoft.com/office/drawing/2010/main" xmlns="" w="9525">
                   <a:solidFill>
                     <a:srgbClr val="000000"/>
                   </a:solidFill>
@@ -3431,7 +3431,7 @@
             </a:ln>
             <a:extLst>
               <a:ext uri="{91240B29-F687-4f45-9708-019B960494DF}">
-                <a14:hiddenLine xmlns="" xmlns:a14="http://schemas.microsoft.com/office/drawing/2010/main" w="9525">
+                <a14:hiddenLine xmlns:a14="http://schemas.microsoft.com/office/drawing/2010/main" xmlns="" w="9525">
                   <a:solidFill>
                     <a:srgbClr val="000000"/>
                   </a:solidFill>
@@ -3521,7 +3521,7 @@
             </a:ln>
             <a:extLst>
               <a:ext uri="{91240B29-F687-4f45-9708-019B960494DF}">
-                <a14:hiddenLine xmlns="" xmlns:a14="http://schemas.microsoft.com/office/drawing/2010/main" w="9525">
+                <a14:hiddenLine xmlns:a14="http://schemas.microsoft.com/office/drawing/2010/main" xmlns="" w="9525">
                   <a:solidFill>
                     <a:srgbClr val="000000"/>
                   </a:solidFill>
@@ -3611,7 +3611,7 @@
             </a:ln>
             <a:extLst>
               <a:ext uri="{91240B29-F687-4f45-9708-019B960494DF}">
-                <a14:hiddenLine xmlns="" xmlns:a14="http://schemas.microsoft.com/office/drawing/2010/main" w="9525">
+                <a14:hiddenLine xmlns:a14="http://schemas.microsoft.com/office/drawing/2010/main" xmlns="" w="9525">
                   <a:solidFill>
                     <a:srgbClr val="000000"/>
                   </a:solidFill>
@@ -3676,7 +3676,7 @@
             </a:ln>
             <a:extLst>
               <a:ext uri="{91240B29-F687-4f45-9708-019B960494DF}">
-                <a14:hiddenLine xmlns="" xmlns:a14="http://schemas.microsoft.com/office/drawing/2010/main" w="9525">
+                <a14:hiddenLine xmlns:a14="http://schemas.microsoft.com/office/drawing/2010/main" xmlns="" w="9525">
                   <a:solidFill>
                     <a:srgbClr val="000000"/>
                   </a:solidFill>
@@ -3738,7 +3738,7 @@
             </a:ln>
             <a:extLst>
               <a:ext uri="{91240B29-F687-4f45-9708-019B960494DF}">
-                <a14:hiddenLine xmlns="" xmlns:a14="http://schemas.microsoft.com/office/drawing/2010/main" w="9525">
+                <a14:hiddenLine xmlns:a14="http://schemas.microsoft.com/office/drawing/2010/main" xmlns="" w="9525">
                   <a:solidFill>
                     <a:srgbClr val="000000"/>
                   </a:solidFill>
@@ -3828,7 +3828,7 @@
             </a:ln>
             <a:extLst>
               <a:ext uri="{91240B29-F687-4f45-9708-019B960494DF}">
-                <a14:hiddenLine xmlns="" xmlns:a14="http://schemas.microsoft.com/office/drawing/2010/main" w="9525">
+                <a14:hiddenLine xmlns:a14="http://schemas.microsoft.com/office/drawing/2010/main" xmlns="" w="9525">
                   <a:solidFill>
                     <a:srgbClr val="000000"/>
                   </a:solidFill>
@@ -3918,7 +3918,7 @@
             </a:ln>
             <a:extLst>
               <a:ext uri="{91240B29-F687-4f45-9708-019B960494DF}">
-                <a14:hiddenLine xmlns="" xmlns:a14="http://schemas.microsoft.com/office/drawing/2010/main" w="9525">
+                <a14:hiddenLine xmlns:a14="http://schemas.microsoft.com/office/drawing/2010/main" xmlns="" w="9525">
                   <a:solidFill>
                     <a:srgbClr val="000000"/>
                   </a:solidFill>
@@ -3980,7 +3980,7 @@
             </a:ln>
             <a:extLst>
               <a:ext uri="{91240B29-F687-4f45-9708-019B960494DF}">
-                <a14:hiddenLine xmlns="" xmlns:a14="http://schemas.microsoft.com/office/drawing/2010/main" w="9525">
+                <a14:hiddenLine xmlns:a14="http://schemas.microsoft.com/office/drawing/2010/main" xmlns="" w="9525">
                   <a:solidFill>
                     <a:srgbClr val="000000"/>
                   </a:solidFill>
@@ -4100,7 +4100,7 @@
             </a:ln>
             <a:extLst>
               <a:ext uri="{91240B29-F687-4f45-9708-019B960494DF}">
-                <a14:hiddenLine xmlns="" xmlns:a14="http://schemas.microsoft.com/office/drawing/2010/main" w="9525">
+                <a14:hiddenLine xmlns:a14="http://schemas.microsoft.com/office/drawing/2010/main" xmlns="" w="9525">
                   <a:solidFill>
                     <a:srgbClr val="000000"/>
                   </a:solidFill>
@@ -4168,7 +4168,7 @@
             </a:ln>
             <a:extLst>
               <a:ext uri="{91240B29-F687-4f45-9708-019B960494DF}">
-                <a14:hiddenLine xmlns="" xmlns:a14="http://schemas.microsoft.com/office/drawing/2010/main" w="9525">
+                <a14:hiddenLine xmlns:a14="http://schemas.microsoft.com/office/drawing/2010/main" xmlns="" w="9525">
                   <a:solidFill>
                     <a:srgbClr val="000000"/>
                   </a:solidFill>
@@ -4258,7 +4258,7 @@
             </a:ln>
             <a:extLst>
               <a:ext uri="{91240B29-F687-4f45-9708-019B960494DF}">
-                <a14:hiddenLine xmlns="" xmlns:a14="http://schemas.microsoft.com/office/drawing/2010/main" w="9525">
+                <a14:hiddenLine xmlns:a14="http://schemas.microsoft.com/office/drawing/2010/main" xmlns="" w="9525">
                   <a:solidFill>
                     <a:srgbClr val="000000"/>
                   </a:solidFill>
@@ -4398,7 +4398,7 @@
           <a:p>
             <a:fld id="{29265ADC-8DD7-4F59-97B3-201709453D54}" type="datetimeFigureOut">
               <a:rPr lang="en-GB" smtClean="0"/>
-              <a:t>10/02/2019</a:t>
+              <a:t>11/02/2019</a:t>
             </a:fld>
             <a:endParaRPr lang="en-GB"/>
           </a:p>
@@ -4665,7 +4665,7 @@
           <a:p>
             <a:fld id="{29265ADC-8DD7-4F59-97B3-201709453D54}" type="datetimeFigureOut">
               <a:rPr lang="en-GB" smtClean="0"/>
-              <a:t>10/02/2019</a:t>
+              <a:t>11/02/2019</a:t>
             </a:fld>
             <a:endParaRPr lang="en-GB"/>
           </a:p>
@@ -4861,7 +4861,7 @@
           <a:p>
             <a:fld id="{29265ADC-8DD7-4F59-97B3-201709453D54}" type="datetimeFigureOut">
               <a:rPr lang="en-GB" smtClean="0"/>
-              <a:t>10/02/2019</a:t>
+              <a:t>11/02/2019</a:t>
             </a:fld>
             <a:endParaRPr lang="en-GB"/>
           </a:p>
@@ -5124,7 +5124,7 @@
           <a:p>
             <a:fld id="{29265ADC-8DD7-4F59-97B3-201709453D54}" type="datetimeFigureOut">
               <a:rPr lang="en-GB" smtClean="0"/>
-              <a:t>10/02/2019</a:t>
+              <a:t>11/02/2019</a:t>
             </a:fld>
             <a:endParaRPr lang="en-GB"/>
           </a:p>
@@ -5558,7 +5558,7 @@
           <a:p>
             <a:fld id="{29265ADC-8DD7-4F59-97B3-201709453D54}" type="datetimeFigureOut">
               <a:rPr lang="en-GB" smtClean="0"/>
-              <a:t>10/02/2019</a:t>
+              <a:t>11/02/2019</a:t>
             </a:fld>
             <a:endParaRPr lang="en-GB"/>
           </a:p>
@@ -6104,7 +6104,7 @@
           <a:p>
             <a:fld id="{29265ADC-8DD7-4F59-97B3-201709453D54}" type="datetimeFigureOut">
               <a:rPr lang="en-GB" smtClean="0"/>
-              <a:t>10/02/2019</a:t>
+              <a:t>11/02/2019</a:t>
             </a:fld>
             <a:endParaRPr lang="en-GB"/>
           </a:p>
@@ -6824,7 +6824,7 @@
           <a:p>
             <a:fld id="{29265ADC-8DD7-4F59-97B3-201709453D54}" type="datetimeFigureOut">
               <a:rPr lang="en-GB" smtClean="0"/>
-              <a:t>10/02/2019</a:t>
+              <a:t>11/02/2019</a:t>
             </a:fld>
             <a:endParaRPr lang="en-GB"/>
           </a:p>
@@ -6994,7 +6994,7 @@
           <a:p>
             <a:fld id="{29265ADC-8DD7-4F59-97B3-201709453D54}" type="datetimeFigureOut">
               <a:rPr lang="en-GB" smtClean="0"/>
-              <a:t>10/02/2019</a:t>
+              <a:t>11/02/2019</a:t>
             </a:fld>
             <a:endParaRPr lang="en-GB"/>
           </a:p>
@@ -7174,7 +7174,7 @@
           <a:p>
             <a:fld id="{29265ADC-8DD7-4F59-97B3-201709453D54}" type="datetimeFigureOut">
               <a:rPr lang="en-GB" smtClean="0"/>
-              <a:t>10/02/2019</a:t>
+              <a:t>11/02/2019</a:t>
             </a:fld>
             <a:endParaRPr lang="en-GB"/>
           </a:p>
@@ -7344,7 +7344,7 @@
           <a:p>
             <a:fld id="{29265ADC-8DD7-4F59-97B3-201709453D54}" type="datetimeFigureOut">
               <a:rPr lang="en-GB" smtClean="0"/>
-              <a:t>10/02/2019</a:t>
+              <a:t>11/02/2019</a:t>
             </a:fld>
             <a:endParaRPr lang="en-GB"/>
           </a:p>
@@ -7594,7 +7594,7 @@
           <a:p>
             <a:fld id="{29265ADC-8DD7-4F59-97B3-201709453D54}" type="datetimeFigureOut">
               <a:rPr lang="en-GB" smtClean="0"/>
-              <a:t>10/02/2019</a:t>
+              <a:t>11/02/2019</a:t>
             </a:fld>
             <a:endParaRPr lang="en-GB"/>
           </a:p>
@@ -7826,7 +7826,7 @@
           <a:p>
             <a:fld id="{29265ADC-8DD7-4F59-97B3-201709453D54}" type="datetimeFigureOut">
               <a:rPr lang="en-GB" smtClean="0"/>
-              <a:t>10/02/2019</a:t>
+              <a:t>11/02/2019</a:t>
             </a:fld>
             <a:endParaRPr lang="en-GB"/>
           </a:p>
@@ -8207,7 +8207,7 @@
           <a:p>
             <a:fld id="{29265ADC-8DD7-4F59-97B3-201709453D54}" type="datetimeFigureOut">
               <a:rPr lang="en-GB" smtClean="0"/>
-              <a:t>10/02/2019</a:t>
+              <a:t>11/02/2019</a:t>
             </a:fld>
             <a:endParaRPr lang="en-GB"/>
           </a:p>
@@ -8325,7 +8325,7 @@
           <a:p>
             <a:fld id="{29265ADC-8DD7-4F59-97B3-201709453D54}" type="datetimeFigureOut">
               <a:rPr lang="en-GB" smtClean="0"/>
-              <a:t>10/02/2019</a:t>
+              <a:t>11/02/2019</a:t>
             </a:fld>
             <a:endParaRPr lang="en-GB"/>
           </a:p>
@@ -8420,7 +8420,7 @@
           <a:p>
             <a:fld id="{29265ADC-8DD7-4F59-97B3-201709453D54}" type="datetimeFigureOut">
               <a:rPr lang="en-GB" smtClean="0"/>
-              <a:t>10/02/2019</a:t>
+              <a:t>11/02/2019</a:t>
             </a:fld>
             <a:endParaRPr lang="en-GB"/>
           </a:p>
@@ -8669,7 +8669,7 @@
           <a:p>
             <a:fld id="{29265ADC-8DD7-4F59-97B3-201709453D54}" type="datetimeFigureOut">
               <a:rPr lang="en-GB" smtClean="0"/>
-              <a:t>10/02/2019</a:t>
+              <a:t>11/02/2019</a:t>
             </a:fld>
             <a:endParaRPr lang="en-GB"/>
           </a:p>
@@ -8949,7 +8949,7 @@
           <a:p>
             <a:fld id="{29265ADC-8DD7-4F59-97B3-201709453D54}" type="datetimeFigureOut">
               <a:rPr lang="en-GB" smtClean="0"/>
-              <a:t>10/02/2019</a:t>
+              <a:t>11/02/2019</a:t>
             </a:fld>
             <a:endParaRPr lang="en-GB"/>
           </a:p>
@@ -9093,7 +9093,7 @@
           <a:noFill/>
           <a:extLst>
             <a:ext uri="{909E8E84-426E-40dd-AFC4-6F175D3DCCD1}">
-              <a14:hiddenFill xmlns="" xmlns:a14="http://schemas.microsoft.com/office/drawing/2010/main">
+              <a14:hiddenFill xmlns:a14="http://schemas.microsoft.com/office/drawing/2010/main" xmlns="">
                 <a:solidFill>
                   <a:srgbClr val="FFFFFF"/>
                 </a:solidFill>
@@ -9167,7 +9167,7 @@
               </a:ln>
               <a:extLst>
                 <a:ext uri="{91240B29-F687-4f45-9708-019B960494DF}">
-                  <a14:hiddenLine xmlns="" xmlns:a14="http://schemas.microsoft.com/office/drawing/2010/main" w="9525">
+                  <a14:hiddenLine xmlns:a14="http://schemas.microsoft.com/office/drawing/2010/main" xmlns="" w="9525">
                     <a:solidFill>
                       <a:srgbClr val="000000"/>
                     </a:solidFill>
@@ -9257,7 +9257,7 @@
               </a:ln>
               <a:extLst>
                 <a:ext uri="{91240B29-F687-4f45-9708-019B960494DF}">
-                  <a14:hiddenLine xmlns="" xmlns:a14="http://schemas.microsoft.com/office/drawing/2010/main" w="9525">
+                  <a14:hiddenLine xmlns:a14="http://schemas.microsoft.com/office/drawing/2010/main" xmlns="" w="9525">
                     <a:solidFill>
                       <a:srgbClr val="000000"/>
                     </a:solidFill>
@@ -9347,7 +9347,7 @@
               </a:ln>
               <a:extLst>
                 <a:ext uri="{91240B29-F687-4f45-9708-019B960494DF}">
-                  <a14:hiddenLine xmlns="" xmlns:a14="http://schemas.microsoft.com/office/drawing/2010/main" w="9525">
+                  <a14:hiddenLine xmlns:a14="http://schemas.microsoft.com/office/drawing/2010/main" xmlns="" w="9525">
                     <a:solidFill>
                       <a:srgbClr val="000000"/>
                     </a:solidFill>
@@ -9409,7 +9409,7 @@
               </a:ln>
               <a:extLst>
                 <a:ext uri="{91240B29-F687-4f45-9708-019B960494DF}">
-                  <a14:hiddenLine xmlns="" xmlns:a14="http://schemas.microsoft.com/office/drawing/2010/main" w="9525">
+                  <a14:hiddenLine xmlns:a14="http://schemas.microsoft.com/office/drawing/2010/main" xmlns="" w="9525">
                     <a:solidFill>
                       <a:srgbClr val="000000"/>
                     </a:solidFill>
@@ -9499,7 +9499,7 @@
               </a:ln>
               <a:extLst>
                 <a:ext uri="{91240B29-F687-4f45-9708-019B960494DF}">
-                  <a14:hiddenLine xmlns="" xmlns:a14="http://schemas.microsoft.com/office/drawing/2010/main" w="9525">
+                  <a14:hiddenLine xmlns:a14="http://schemas.microsoft.com/office/drawing/2010/main" xmlns="" w="9525">
                     <a:solidFill>
                       <a:srgbClr val="000000"/>
                     </a:solidFill>
@@ -9561,7 +9561,7 @@
               </a:ln>
               <a:extLst>
                 <a:ext uri="{91240B29-F687-4f45-9708-019B960494DF}">
-                  <a14:hiddenLine xmlns="" xmlns:a14="http://schemas.microsoft.com/office/drawing/2010/main" w="9525">
+                  <a14:hiddenLine xmlns:a14="http://schemas.microsoft.com/office/drawing/2010/main" xmlns="" w="9525">
                     <a:solidFill>
                       <a:srgbClr val="000000"/>
                     </a:solidFill>
@@ -9623,7 +9623,7 @@
               </a:ln>
               <a:extLst>
                 <a:ext uri="{91240B29-F687-4f45-9708-019B960494DF}">
-                  <a14:hiddenLine xmlns="" xmlns:a14="http://schemas.microsoft.com/office/drawing/2010/main" w="9525">
+                  <a14:hiddenLine xmlns:a14="http://schemas.microsoft.com/office/drawing/2010/main" xmlns="" w="9525">
                     <a:solidFill>
                       <a:srgbClr val="000000"/>
                     </a:solidFill>
@@ -9713,7 +9713,7 @@
               </a:ln>
               <a:extLst>
                 <a:ext uri="{91240B29-F687-4f45-9708-019B960494DF}">
-                  <a14:hiddenLine xmlns="" xmlns:a14="http://schemas.microsoft.com/office/drawing/2010/main" w="9525">
+                  <a14:hiddenLine xmlns:a14="http://schemas.microsoft.com/office/drawing/2010/main" xmlns="" w="9525">
                     <a:solidFill>
                       <a:srgbClr val="000000"/>
                     </a:solidFill>
@@ -9803,7 +9803,7 @@
               </a:ln>
               <a:extLst>
                 <a:ext uri="{91240B29-F687-4f45-9708-019B960494DF}">
-                  <a14:hiddenLine xmlns="" xmlns:a14="http://schemas.microsoft.com/office/drawing/2010/main" w="9525">
+                  <a14:hiddenLine xmlns:a14="http://schemas.microsoft.com/office/drawing/2010/main" xmlns="" w="9525">
                     <a:solidFill>
                       <a:srgbClr val="000000"/>
                     </a:solidFill>
@@ -9865,7 +9865,7 @@
               </a:ln>
               <a:extLst>
                 <a:ext uri="{91240B29-F687-4f45-9708-019B960494DF}">
-                  <a14:hiddenLine xmlns="" xmlns:a14="http://schemas.microsoft.com/office/drawing/2010/main" w="9525">
+                  <a14:hiddenLine xmlns:a14="http://schemas.microsoft.com/office/drawing/2010/main" xmlns="" w="9525">
                     <a:solidFill>
                       <a:srgbClr val="000000"/>
                     </a:solidFill>
@@ -9975,7 +9975,7 @@
               </a:ln>
               <a:extLst>
                 <a:ext uri="{91240B29-F687-4f45-9708-019B960494DF}">
-                  <a14:hiddenLine xmlns="" xmlns:a14="http://schemas.microsoft.com/office/drawing/2010/main" w="9525">
+                  <a14:hiddenLine xmlns:a14="http://schemas.microsoft.com/office/drawing/2010/main" xmlns="" w="9525">
                     <a:solidFill>
                       <a:srgbClr val="000000"/>
                     </a:solidFill>
@@ -10059,7 +10059,7 @@
               </a:ln>
               <a:extLst>
                 <a:ext uri="{91240B29-F687-4f45-9708-019B960494DF}">
-                  <a14:hiddenLine xmlns="" xmlns:a14="http://schemas.microsoft.com/office/drawing/2010/main" w="9525">
+                  <a14:hiddenLine xmlns:a14="http://schemas.microsoft.com/office/drawing/2010/main" xmlns="" w="9525">
                     <a:solidFill>
                       <a:srgbClr val="000000"/>
                     </a:solidFill>
@@ -10121,7 +10121,7 @@
               </a:ln>
               <a:extLst>
                 <a:ext uri="{91240B29-F687-4f45-9708-019B960494DF}">
-                  <a14:hiddenLine xmlns="" xmlns:a14="http://schemas.microsoft.com/office/drawing/2010/main" w="9525">
+                  <a14:hiddenLine xmlns:a14="http://schemas.microsoft.com/office/drawing/2010/main" xmlns="" w="9525">
                     <a:solidFill>
                       <a:srgbClr val="000000"/>
                     </a:solidFill>
@@ -10183,7 +10183,7 @@
               </a:ln>
               <a:extLst>
                 <a:ext uri="{91240B29-F687-4f45-9708-019B960494DF}">
-                  <a14:hiddenLine xmlns="" xmlns:a14="http://schemas.microsoft.com/office/drawing/2010/main" w="9525">
+                  <a14:hiddenLine xmlns:a14="http://schemas.microsoft.com/office/drawing/2010/main" xmlns="" w="9525">
                     <a:solidFill>
                       <a:srgbClr val="000000"/>
                     </a:solidFill>
@@ -10273,7 +10273,7 @@
               </a:ln>
               <a:extLst>
                 <a:ext uri="{91240B29-F687-4f45-9708-019B960494DF}">
-                  <a14:hiddenLine xmlns="" xmlns:a14="http://schemas.microsoft.com/office/drawing/2010/main" w="9525">
+                  <a14:hiddenLine xmlns:a14="http://schemas.microsoft.com/office/drawing/2010/main" xmlns="" w="9525">
                     <a:solidFill>
                       <a:srgbClr val="000000"/>
                     </a:solidFill>
@@ -10307,7 +10307,7 @@
               </a:ln>
               <a:extLst>
                 <a:ext uri="{91240B29-F687-4f45-9708-019B960494DF}">
-                  <a14:hiddenLine xmlns="" xmlns:a14="http://schemas.microsoft.com/office/drawing/2010/main" w="9525">
+                  <a14:hiddenLine xmlns:a14="http://schemas.microsoft.com/office/drawing/2010/main" xmlns="" w="9525">
                     <a:solidFill>
                       <a:srgbClr val="000000"/>
                     </a:solidFill>
@@ -10372,7 +10372,7 @@
               </a:ln>
               <a:extLst>
                 <a:ext uri="{91240B29-F687-4f45-9708-019B960494DF}">
-                  <a14:hiddenLine xmlns="" xmlns:a14="http://schemas.microsoft.com/office/drawing/2010/main" w="9525">
+                  <a14:hiddenLine xmlns:a14="http://schemas.microsoft.com/office/drawing/2010/main" xmlns="" w="9525">
                     <a:solidFill>
                       <a:srgbClr val="000000"/>
                     </a:solidFill>
@@ -10462,7 +10462,7 @@
               </a:ln>
               <a:extLst>
                 <a:ext uri="{91240B29-F687-4f45-9708-019B960494DF}">
-                  <a14:hiddenLine xmlns="" xmlns:a14="http://schemas.microsoft.com/office/drawing/2010/main" w="9525">
+                  <a14:hiddenLine xmlns:a14="http://schemas.microsoft.com/office/drawing/2010/main" xmlns="" w="9525">
                     <a:solidFill>
                       <a:srgbClr val="000000"/>
                     </a:solidFill>
@@ -10524,7 +10524,7 @@
               </a:ln>
               <a:extLst>
                 <a:ext uri="{91240B29-F687-4f45-9708-019B960494DF}">
-                  <a14:hiddenLine xmlns="" xmlns:a14="http://schemas.microsoft.com/office/drawing/2010/main" w="9525">
+                  <a14:hiddenLine xmlns:a14="http://schemas.microsoft.com/office/drawing/2010/main" xmlns="" w="9525">
                     <a:solidFill>
                       <a:srgbClr val="000000"/>
                     </a:solidFill>
@@ -10614,7 +10614,7 @@
               </a:ln>
               <a:extLst>
                 <a:ext uri="{91240B29-F687-4f45-9708-019B960494DF}">
-                  <a14:hiddenLine xmlns="" xmlns:a14="http://schemas.microsoft.com/office/drawing/2010/main" w="9525">
+                  <a14:hiddenLine xmlns:a14="http://schemas.microsoft.com/office/drawing/2010/main" xmlns="" w="9525">
                     <a:solidFill>
                       <a:srgbClr val="000000"/>
                     </a:solidFill>
@@ -10679,7 +10679,7 @@
               </a:ln>
               <a:extLst>
                 <a:ext uri="{91240B29-F687-4f45-9708-019B960494DF}">
-                  <a14:hiddenLine xmlns="" xmlns:a14="http://schemas.microsoft.com/office/drawing/2010/main" w="9525">
+                  <a14:hiddenLine xmlns:a14="http://schemas.microsoft.com/office/drawing/2010/main" xmlns="" w="9525">
                     <a:solidFill>
                       <a:srgbClr val="000000"/>
                     </a:solidFill>
@@ -10741,7 +10741,7 @@
               </a:ln>
               <a:extLst>
                 <a:ext uri="{91240B29-F687-4f45-9708-019B960494DF}">
-                  <a14:hiddenLine xmlns="" xmlns:a14="http://schemas.microsoft.com/office/drawing/2010/main" w="9525">
+                  <a14:hiddenLine xmlns:a14="http://schemas.microsoft.com/office/drawing/2010/main" xmlns="" w="9525">
                     <a:solidFill>
                       <a:srgbClr val="000000"/>
                     </a:solidFill>
@@ -10831,7 +10831,7 @@
               </a:ln>
               <a:extLst>
                 <a:ext uri="{91240B29-F687-4f45-9708-019B960494DF}">
-                  <a14:hiddenLine xmlns="" xmlns:a14="http://schemas.microsoft.com/office/drawing/2010/main" w="9525">
+                  <a14:hiddenLine xmlns:a14="http://schemas.microsoft.com/office/drawing/2010/main" xmlns="" w="9525">
                     <a:solidFill>
                       <a:srgbClr val="000000"/>
                     </a:solidFill>
@@ -10921,7 +10921,7 @@
               </a:ln>
               <a:extLst>
                 <a:ext uri="{91240B29-F687-4f45-9708-019B960494DF}">
-                  <a14:hiddenLine xmlns="" xmlns:a14="http://schemas.microsoft.com/office/drawing/2010/main" w="9525">
+                  <a14:hiddenLine xmlns:a14="http://schemas.microsoft.com/office/drawing/2010/main" xmlns="" w="9525">
                     <a:solidFill>
                       <a:srgbClr val="000000"/>
                     </a:solidFill>
@@ -10986,7 +10986,7 @@
               </a:ln>
               <a:extLst>
                 <a:ext uri="{91240B29-F687-4f45-9708-019B960494DF}">
-                  <a14:hiddenLine xmlns="" xmlns:a14="http://schemas.microsoft.com/office/drawing/2010/main" w="9525">
+                  <a14:hiddenLine xmlns:a14="http://schemas.microsoft.com/office/drawing/2010/main" xmlns="" w="9525">
                     <a:solidFill>
                       <a:srgbClr val="000000"/>
                     </a:solidFill>
@@ -11106,7 +11106,7 @@
               </a:ln>
               <a:extLst>
                 <a:ext uri="{91240B29-F687-4f45-9708-019B960494DF}">
-                  <a14:hiddenLine xmlns="" xmlns:a14="http://schemas.microsoft.com/office/drawing/2010/main" w="9525">
+                  <a14:hiddenLine xmlns:a14="http://schemas.microsoft.com/office/drawing/2010/main" xmlns="" w="9525">
                     <a:solidFill>
                       <a:srgbClr val="000000"/>
                     </a:solidFill>
@@ -11204,7 +11204,7 @@
               </a:ln>
               <a:extLst>
                 <a:ext uri="{91240B29-F687-4f45-9708-019B960494DF}">
-                  <a14:hiddenLine xmlns="" xmlns:a14="http://schemas.microsoft.com/office/drawing/2010/main" w="9525">
+                  <a14:hiddenLine xmlns:a14="http://schemas.microsoft.com/office/drawing/2010/main" xmlns="" w="9525">
                     <a:solidFill>
                       <a:srgbClr val="000000"/>
                     </a:solidFill>
@@ -11319,7 +11319,7 @@
               </a:ln>
               <a:extLst>
                 <a:ext uri="{91240B29-F687-4f45-9708-019B960494DF}">
-                  <a14:hiddenLine xmlns="" xmlns:a14="http://schemas.microsoft.com/office/drawing/2010/main" w="9525">
+                  <a14:hiddenLine xmlns:a14="http://schemas.microsoft.com/office/drawing/2010/main" xmlns="" w="9525">
                     <a:solidFill>
                       <a:srgbClr val="000000"/>
                     </a:solidFill>
@@ -11409,7 +11409,7 @@
               </a:ln>
               <a:extLst>
                 <a:ext uri="{91240B29-F687-4f45-9708-019B960494DF}">
-                  <a14:hiddenLine xmlns="" xmlns:a14="http://schemas.microsoft.com/office/drawing/2010/main" w="9525">
+                  <a14:hiddenLine xmlns:a14="http://schemas.microsoft.com/office/drawing/2010/main" xmlns="" w="9525">
                     <a:solidFill>
                       <a:srgbClr val="000000"/>
                     </a:solidFill>
@@ -11474,7 +11474,7 @@
               </a:ln>
               <a:extLst>
                 <a:ext uri="{91240B29-F687-4f45-9708-019B960494DF}">
-                  <a14:hiddenLine xmlns="" xmlns:a14="http://schemas.microsoft.com/office/drawing/2010/main" w="9525">
+                  <a14:hiddenLine xmlns:a14="http://schemas.microsoft.com/office/drawing/2010/main" xmlns="" w="9525">
                     <a:solidFill>
                       <a:srgbClr val="000000"/>
                     </a:solidFill>
@@ -11564,7 +11564,7 @@
               </a:ln>
               <a:extLst>
                 <a:ext uri="{91240B29-F687-4f45-9708-019B960494DF}">
-                  <a14:hiddenLine xmlns="" xmlns:a14="http://schemas.microsoft.com/office/drawing/2010/main" w="9525">
+                  <a14:hiddenLine xmlns:a14="http://schemas.microsoft.com/office/drawing/2010/main" xmlns="" w="9525">
                     <a:solidFill>
                       <a:srgbClr val="000000"/>
                     </a:solidFill>
@@ -11632,7 +11632,7 @@
               </a:ln>
               <a:extLst>
                 <a:ext uri="{91240B29-F687-4f45-9708-019B960494DF}">
-                  <a14:hiddenLine xmlns="" xmlns:a14="http://schemas.microsoft.com/office/drawing/2010/main" w="9525">
+                  <a14:hiddenLine xmlns:a14="http://schemas.microsoft.com/office/drawing/2010/main" xmlns="" w="9525">
                     <a:solidFill>
                       <a:srgbClr val="000000"/>
                     </a:solidFill>
@@ -11722,7 +11722,7 @@
               </a:ln>
               <a:extLst>
                 <a:ext uri="{91240B29-F687-4f45-9708-019B960494DF}">
-                  <a14:hiddenLine xmlns="" xmlns:a14="http://schemas.microsoft.com/office/drawing/2010/main" w="9525">
+                  <a14:hiddenLine xmlns:a14="http://schemas.microsoft.com/office/drawing/2010/main" xmlns="" w="9525">
                     <a:solidFill>
                       <a:srgbClr val="000000"/>
                     </a:solidFill>
@@ -11790,7 +11790,7 @@
               </a:ln>
               <a:extLst>
                 <a:ext uri="{91240B29-F687-4f45-9708-019B960494DF}">
-                  <a14:hiddenLine xmlns="" xmlns:a14="http://schemas.microsoft.com/office/drawing/2010/main" w="9525">
+                  <a14:hiddenLine xmlns:a14="http://schemas.microsoft.com/office/drawing/2010/main" xmlns="" w="9525">
                     <a:solidFill>
                       <a:srgbClr val="000000"/>
                     </a:solidFill>
@@ -11880,7 +11880,7 @@
               </a:ln>
               <a:extLst>
                 <a:ext uri="{91240B29-F687-4f45-9708-019B960494DF}">
-                  <a14:hiddenLine xmlns="" xmlns:a14="http://schemas.microsoft.com/office/drawing/2010/main" w="9525">
+                  <a14:hiddenLine xmlns:a14="http://schemas.microsoft.com/office/drawing/2010/main" xmlns="" w="9525">
                     <a:solidFill>
                       <a:srgbClr val="000000"/>
                     </a:solidFill>
@@ -11914,7 +11914,7 @@
               </a:ln>
               <a:extLst>
                 <a:ext uri="{91240B29-F687-4f45-9708-019B960494DF}">
-                  <a14:hiddenLine xmlns="" xmlns:a14="http://schemas.microsoft.com/office/drawing/2010/main" w="9525">
+                  <a14:hiddenLine xmlns:a14="http://schemas.microsoft.com/office/drawing/2010/main" xmlns="" w="9525">
                     <a:solidFill>
                       <a:srgbClr val="000000"/>
                     </a:solidFill>
@@ -12054,7 +12054,7 @@
           <a:p>
             <a:fld id="{29265ADC-8DD7-4F59-97B3-201709453D54}" type="datetimeFigureOut">
               <a:rPr lang="en-GB" smtClean="0"/>
-              <a:t>10/02/2019</a:t>
+              <a:t>11/02/2019</a:t>
             </a:fld>
             <a:endParaRPr lang="en-GB"/>
           </a:p>
@@ -12479,7 +12479,7 @@
           <p:cNvPr id="4" name="Rettangolo con angoli arrotondati 3">
             <a:extLst>
               <a:ext uri="{FF2B5EF4-FFF2-40B4-BE49-F238E27FC236}">
-                <a16:creationId xmlns:a16="http://schemas.microsoft.com/office/drawing/2014/main" id="{3F895C43-B560-485B-8FFD-4BCC50B81416}"/>
+                <a16:creationId xmlns:a16="http://schemas.microsoft.com/office/drawing/2014/main" id="{190BDE1B-6A60-40D6-B605-93372790AF4C}"/>
               </a:ext>
             </a:extLst>
           </p:cNvPr>
@@ -12533,7 +12533,13 @@
       </p:sp>
       <p:sp>
         <p:nvSpPr>
-          <p:cNvPr id="3" name="Rettangolo con angoli arrotondati 2"/>
+          <p:cNvPr id="5" name="Rettangolo con angoli arrotondati 4">
+            <a:extLst>
+              <a:ext uri="{FF2B5EF4-FFF2-40B4-BE49-F238E27FC236}">
+                <a16:creationId xmlns:a16="http://schemas.microsoft.com/office/drawing/2014/main" id="{876100E1-6374-4575-95F8-30045A35DB9A}"/>
+              </a:ext>
+            </a:extLst>
+          </p:cNvPr>
           <p:cNvSpPr/>
           <p:nvPr/>
         </p:nvSpPr>
@@ -12584,7 +12590,13 @@
       </p:sp>
       <p:sp>
         <p:nvSpPr>
-          <p:cNvPr id="2" name="CasellaDiTesto 1"/>
+          <p:cNvPr id="6" name="CasellaDiTesto 5">
+            <a:extLst>
+              <a:ext uri="{FF2B5EF4-FFF2-40B4-BE49-F238E27FC236}">
+                <a16:creationId xmlns:a16="http://schemas.microsoft.com/office/drawing/2014/main" id="{52B3C8E2-D2DC-4C93-9DA5-F238438F95F0}"/>
+              </a:ext>
+            </a:extLst>
+          </p:cNvPr>
           <p:cNvSpPr txBox="1"/>
           <p:nvPr/>
         </p:nvSpPr>
@@ -12629,7 +12641,13 @@
       </p:sp>
       <p:sp>
         <p:nvSpPr>
-          <p:cNvPr id="5" name="Rettangolo 4"/>
+          <p:cNvPr id="7" name="Rettangolo 6">
+            <a:extLst>
+              <a:ext uri="{FF2B5EF4-FFF2-40B4-BE49-F238E27FC236}">
+                <a16:creationId xmlns:a16="http://schemas.microsoft.com/office/drawing/2014/main" id="{B26B50ED-DFE3-4A8A-8451-E6E950EC7600}"/>
+              </a:ext>
+            </a:extLst>
+          </p:cNvPr>
           <p:cNvSpPr/>
           <p:nvPr/>
         </p:nvSpPr>
@@ -12694,7 +12712,7 @@
     </p:spTree>
     <p:extLst>
       <p:ext uri="{BB962C8B-B14F-4D97-AF65-F5344CB8AC3E}">
-        <p14:creationId xmlns:p14="http://schemas.microsoft.com/office/powerpoint/2010/main" val="2344290940"/>
+        <p14:creationId xmlns:p14="http://schemas.microsoft.com/office/powerpoint/2010/main" val="2470313910"/>
       </p:ext>
     </p:extLst>
   </p:cSld>
@@ -14329,7 +14347,7 @@
           <p:cNvPr id="4" name="CasellaDiTesto 3">
             <a:extLst>
               <a:ext uri="{FF2B5EF4-FFF2-40B4-BE49-F238E27FC236}">
-                <a16:creationId xmlns:a16="http://schemas.microsoft.com/office/drawing/2014/main" id="{B6BDFC45-2574-474F-AAF1-FB98DACF1376}"/>
+                <a16:creationId xmlns:a16="http://schemas.microsoft.com/office/drawing/2014/main" id="{D9404AF5-25C8-44E9-8AB2-ABD882B727D0}"/>
               </a:ext>
             </a:extLst>
           </p:cNvPr>
@@ -14463,7 +14481,7 @@
           <p:cNvPr id="5" name="CasellaDiTesto 4">
             <a:extLst>
               <a:ext uri="{FF2B5EF4-FFF2-40B4-BE49-F238E27FC236}">
-                <a16:creationId xmlns:a16="http://schemas.microsoft.com/office/drawing/2014/main" id="{52C9AF1A-3C64-436F-8D16-98827DA58D33}"/>
+                <a16:creationId xmlns:a16="http://schemas.microsoft.com/office/drawing/2014/main" id="{06C94F9E-D83B-4414-8BA5-53685AD1A198}"/>
               </a:ext>
             </a:extLst>
           </p:cNvPr>
@@ -14580,7 +14598,7 @@
     </p:spTree>
     <p:extLst>
       <p:ext uri="{BB962C8B-B14F-4D97-AF65-F5344CB8AC3E}">
-        <p14:creationId xmlns:p14="http://schemas.microsoft.com/office/powerpoint/2010/main" val="3091374951"/>
+        <p14:creationId xmlns:p14="http://schemas.microsoft.com/office/powerpoint/2010/main" val="1534411988"/>
       </p:ext>
     </p:extLst>
   </p:cSld>
